--- a/website/docs/capstone-presentation.pptx
+++ b/website/docs/capstone-presentation.pptx
@@ -218,7 +218,7 @@
           <a:p>
             <a:fld id="{A79B11A6-A25C-44A8-B677-058F5669723A}" type="datetimeFigureOut">
               <a:rPr lang="en-US" smtClean="0"/>
-              <a:t>10/3/2025</a:t>
+              <a:t>10/7/2025</a:t>
             </a:fld>
             <a:endParaRPr lang="en-US"/>
           </a:p>
@@ -2876,7 +2876,7 @@
           <a:p>
             <a:fld id="{9ABA5462-7CDD-4D52-89A4-A45BEE8B964E}" type="datetimeFigureOut">
               <a:rPr lang="en-US" smtClean="0"/>
-              <a:t>10/3/2025</a:t>
+              <a:t>10/7/2025</a:t>
             </a:fld>
             <a:endParaRPr lang="en-US"/>
           </a:p>
@@ -3074,7 +3074,7 @@
           <a:p>
             <a:fld id="{9ABA5462-7CDD-4D52-89A4-A45BEE8B964E}" type="datetimeFigureOut">
               <a:rPr lang="en-US" smtClean="0"/>
-              <a:t>10/3/2025</a:t>
+              <a:t>10/7/2025</a:t>
             </a:fld>
             <a:endParaRPr lang="en-US"/>
           </a:p>
@@ -3282,7 +3282,7 @@
           <a:p>
             <a:fld id="{9ABA5462-7CDD-4D52-89A4-A45BEE8B964E}" type="datetimeFigureOut">
               <a:rPr lang="en-US" smtClean="0"/>
-              <a:t>10/3/2025</a:t>
+              <a:t>10/7/2025</a:t>
             </a:fld>
             <a:endParaRPr lang="en-US"/>
           </a:p>
@@ -3480,7 +3480,7 @@
           <a:p>
             <a:fld id="{9ABA5462-7CDD-4D52-89A4-A45BEE8B964E}" type="datetimeFigureOut">
               <a:rPr lang="en-US" smtClean="0"/>
-              <a:t>10/3/2025</a:t>
+              <a:t>10/7/2025</a:t>
             </a:fld>
             <a:endParaRPr lang="en-US"/>
           </a:p>
@@ -3755,7 +3755,7 @@
           <a:p>
             <a:fld id="{9ABA5462-7CDD-4D52-89A4-A45BEE8B964E}" type="datetimeFigureOut">
               <a:rPr lang="en-US" smtClean="0"/>
-              <a:t>10/3/2025</a:t>
+              <a:t>10/7/2025</a:t>
             </a:fld>
             <a:endParaRPr lang="en-US"/>
           </a:p>
@@ -4020,7 +4020,7 @@
           <a:p>
             <a:fld id="{9ABA5462-7CDD-4D52-89A4-A45BEE8B964E}" type="datetimeFigureOut">
               <a:rPr lang="en-US" smtClean="0"/>
-              <a:t>10/3/2025</a:t>
+              <a:t>10/7/2025</a:t>
             </a:fld>
             <a:endParaRPr lang="en-US"/>
           </a:p>
@@ -4432,7 +4432,7 @@
           <a:p>
             <a:fld id="{9ABA5462-7CDD-4D52-89A4-A45BEE8B964E}" type="datetimeFigureOut">
               <a:rPr lang="en-US" smtClean="0"/>
-              <a:t>10/3/2025</a:t>
+              <a:t>10/7/2025</a:t>
             </a:fld>
             <a:endParaRPr lang="en-US"/>
           </a:p>
@@ -4573,7 +4573,7 @@
           <a:p>
             <a:fld id="{9ABA5462-7CDD-4D52-89A4-A45BEE8B964E}" type="datetimeFigureOut">
               <a:rPr lang="en-US" smtClean="0"/>
-              <a:t>10/3/2025</a:t>
+              <a:t>10/7/2025</a:t>
             </a:fld>
             <a:endParaRPr lang="en-US"/>
           </a:p>
@@ -4686,7 +4686,7 @@
           <a:p>
             <a:fld id="{9ABA5462-7CDD-4D52-89A4-A45BEE8B964E}" type="datetimeFigureOut">
               <a:rPr lang="en-US" smtClean="0"/>
-              <a:t>10/3/2025</a:t>
+              <a:t>10/7/2025</a:t>
             </a:fld>
             <a:endParaRPr lang="en-US"/>
           </a:p>
@@ -4997,7 +4997,7 @@
           <a:p>
             <a:fld id="{9ABA5462-7CDD-4D52-89A4-A45BEE8B964E}" type="datetimeFigureOut">
               <a:rPr lang="en-US" smtClean="0"/>
-              <a:t>10/3/2025</a:t>
+              <a:t>10/7/2025</a:t>
             </a:fld>
             <a:endParaRPr lang="en-US"/>
           </a:p>
@@ -5285,7 +5285,7 @@
           <a:p>
             <a:fld id="{9ABA5462-7CDD-4D52-89A4-A45BEE8B964E}" type="datetimeFigureOut">
               <a:rPr lang="en-US" smtClean="0"/>
-              <a:t>10/3/2025</a:t>
+              <a:t>10/7/2025</a:t>
             </a:fld>
             <a:endParaRPr lang="en-US"/>
           </a:p>
@@ -5526,7 +5526,7 @@
           <a:p>
             <a:fld id="{9ABA5462-7CDD-4D52-89A4-A45BEE8B964E}" type="datetimeFigureOut">
               <a:rPr lang="en-US" smtClean="0"/>
-              <a:t>10/3/2025</a:t>
+              <a:t>10/7/2025</a:t>
             </a:fld>
             <a:endParaRPr lang="en-US"/>
           </a:p>
@@ -6062,7 +6062,7 @@
             <a:pPr algn="ctr"/>
             <a:r>
               <a:rPr lang="en-US" sz="2400" b="1" dirty="0"/>
-              <a:t>Topic 7 – DQ 2</a:t>
+              <a:t>Topic 8 – Benchmark - Complete Capstone</a:t>
             </a:r>
           </a:p>
           <a:p>
@@ -6097,7 +6097,7 @@
             <a:pPr algn="ctr"/>
             <a:r>
               <a:rPr lang="en-US" sz="2400" dirty="0"/>
-              <a:t>September 29, 2025</a:t>
+              <a:t>October 08, 2025</a:t>
             </a:r>
           </a:p>
         </p:txBody>
